--- a/Documentação/lld-v1.pptx
+++ b/Documentação/lld-v1.pptx
@@ -104,6 +104,11 @@
       </a:defRPr>
     </a:lvl9pPr>
   </p:defaultTextStyle>
+  <p:extLst>
+    <p:ext uri="{EFAFB233-063F-42B5-8137-9DF3F51BA10A}">
+      <p15:sldGuideLst xmlns:p15="http://schemas.microsoft.com/office/powerpoint/2012/main"/>
+    </p:ext>
+  </p:extLst>
 </p:presentation>
 </file>
 
@@ -254,7 +259,7 @@
           <a:p>
             <a:fld id="{E93C9CEB-DED8-41E7-833D-6F3524FD4977}" type="datetimeFigureOut">
               <a:rPr lang="pt-BR" smtClean="0"/>
-              <a:t>13/10/2020</a:t>
+              <a:t>15/10/2020</a:t>
             </a:fld>
             <a:endParaRPr lang="pt-BR"/>
           </a:p>
@@ -452,7 +457,7 @@
           <a:p>
             <a:fld id="{E93C9CEB-DED8-41E7-833D-6F3524FD4977}" type="datetimeFigureOut">
               <a:rPr lang="pt-BR" smtClean="0"/>
-              <a:t>13/10/2020</a:t>
+              <a:t>15/10/2020</a:t>
             </a:fld>
             <a:endParaRPr lang="pt-BR"/>
           </a:p>
@@ -660,7 +665,7 @@
           <a:p>
             <a:fld id="{E93C9CEB-DED8-41E7-833D-6F3524FD4977}" type="datetimeFigureOut">
               <a:rPr lang="pt-BR" smtClean="0"/>
-              <a:t>13/10/2020</a:t>
+              <a:t>15/10/2020</a:t>
             </a:fld>
             <a:endParaRPr lang="pt-BR"/>
           </a:p>
@@ -858,7 +863,7 @@
           <a:p>
             <a:fld id="{E93C9CEB-DED8-41E7-833D-6F3524FD4977}" type="datetimeFigureOut">
               <a:rPr lang="pt-BR" smtClean="0"/>
-              <a:t>13/10/2020</a:t>
+              <a:t>15/10/2020</a:t>
             </a:fld>
             <a:endParaRPr lang="pt-BR"/>
           </a:p>
@@ -1133,7 +1138,7 @@
           <a:p>
             <a:fld id="{E93C9CEB-DED8-41E7-833D-6F3524FD4977}" type="datetimeFigureOut">
               <a:rPr lang="pt-BR" smtClean="0"/>
-              <a:t>13/10/2020</a:t>
+              <a:t>15/10/2020</a:t>
             </a:fld>
             <a:endParaRPr lang="pt-BR"/>
           </a:p>
@@ -1398,7 +1403,7 @@
           <a:p>
             <a:fld id="{E93C9CEB-DED8-41E7-833D-6F3524FD4977}" type="datetimeFigureOut">
               <a:rPr lang="pt-BR" smtClean="0"/>
-              <a:t>13/10/2020</a:t>
+              <a:t>15/10/2020</a:t>
             </a:fld>
             <a:endParaRPr lang="pt-BR"/>
           </a:p>
@@ -1810,7 +1815,7 @@
           <a:p>
             <a:fld id="{E93C9CEB-DED8-41E7-833D-6F3524FD4977}" type="datetimeFigureOut">
               <a:rPr lang="pt-BR" smtClean="0"/>
-              <a:t>13/10/2020</a:t>
+              <a:t>15/10/2020</a:t>
             </a:fld>
             <a:endParaRPr lang="pt-BR"/>
           </a:p>
@@ -1951,7 +1956,7 @@
           <a:p>
             <a:fld id="{E93C9CEB-DED8-41E7-833D-6F3524FD4977}" type="datetimeFigureOut">
               <a:rPr lang="pt-BR" smtClean="0"/>
-              <a:t>13/10/2020</a:t>
+              <a:t>15/10/2020</a:t>
             </a:fld>
             <a:endParaRPr lang="pt-BR"/>
           </a:p>
@@ -2064,7 +2069,7 @@
           <a:p>
             <a:fld id="{E93C9CEB-DED8-41E7-833D-6F3524FD4977}" type="datetimeFigureOut">
               <a:rPr lang="pt-BR" smtClean="0"/>
-              <a:t>13/10/2020</a:t>
+              <a:t>15/10/2020</a:t>
             </a:fld>
             <a:endParaRPr lang="pt-BR"/>
           </a:p>
@@ -2375,7 +2380,7 @@
           <a:p>
             <a:fld id="{E93C9CEB-DED8-41E7-833D-6F3524FD4977}" type="datetimeFigureOut">
               <a:rPr lang="pt-BR" smtClean="0"/>
-              <a:t>13/10/2020</a:t>
+              <a:t>15/10/2020</a:t>
             </a:fld>
             <a:endParaRPr lang="pt-BR"/>
           </a:p>
@@ -2663,7 +2668,7 @@
           <a:p>
             <a:fld id="{E93C9CEB-DED8-41E7-833D-6F3524FD4977}" type="datetimeFigureOut">
               <a:rPr lang="pt-BR" smtClean="0"/>
-              <a:t>13/10/2020</a:t>
+              <a:t>15/10/2020</a:t>
             </a:fld>
             <a:endParaRPr lang="pt-BR"/>
           </a:p>
@@ -2904,7 +2909,7 @@
           <a:p>
             <a:fld id="{E93C9CEB-DED8-41E7-833D-6F3524FD4977}" type="datetimeFigureOut">
               <a:rPr lang="pt-BR" smtClean="0"/>
-              <a:t>13/10/2020</a:t>
+              <a:t>15/10/2020</a:t>
             </a:fld>
             <a:endParaRPr lang="pt-BR"/>
           </a:p>
@@ -3321,6 +3326,53 @@
           <a:chExt cx="0" cy="0"/>
         </a:xfrm>
       </p:grpSpPr>
+      <p:pic>
+        <p:nvPicPr>
+          <p:cNvPr id="45" name="Picture 20" descr="Desktop computer icon computer - Transparent PNG &amp; SVG vector file">
+            <a:extLst>
+              <a:ext uri="{FF2B5EF4-FFF2-40B4-BE49-F238E27FC236}">
+                <a16:creationId xmlns:a16="http://schemas.microsoft.com/office/drawing/2014/main" id="{7E8AD9CF-9009-4826-BCC8-D5002C3C1D02}"/>
+              </a:ext>
+            </a:extLst>
+          </p:cNvPr>
+          <p:cNvPicPr>
+            <a:picLocks noChangeAspect="1" noChangeArrowheads="1"/>
+          </p:cNvPicPr>
+          <p:nvPr/>
+        </p:nvPicPr>
+        <p:blipFill>
+          <a:blip r:embed="rId2">
+            <a:extLst>
+              <a:ext uri="{28A0092B-C50C-407E-A947-70E740481C1C}">
+                <a14:useLocalDpi xmlns:a14="http://schemas.microsoft.com/office/drawing/2010/main" val="0"/>
+              </a:ext>
+            </a:extLst>
+          </a:blip>
+          <a:srcRect/>
+          <a:stretch>
+            <a:fillRect/>
+          </a:stretch>
+        </p:blipFill>
+        <p:spPr bwMode="auto">
+          <a:xfrm>
+            <a:off x="767814" y="4565485"/>
+            <a:ext cx="1175659" cy="1175659"/>
+          </a:xfrm>
+          <a:prstGeom prst="rect">
+            <a:avLst/>
+          </a:prstGeom>
+          <a:noFill/>
+          <a:extLst>
+            <a:ext uri="{909E8E84-426E-40DD-AFC4-6F175D3DCCD1}">
+              <a14:hiddenFill xmlns:a14="http://schemas.microsoft.com/office/drawing/2010/main">
+                <a:solidFill>
+                  <a:srgbClr val="FFFFFF"/>
+                </a:solidFill>
+              </a14:hiddenFill>
+            </a:ext>
+          </a:extLst>
+        </p:spPr>
+      </p:pic>
       <p:sp>
         <p:nvSpPr>
           <p:cNvPr id="4" name="Retângulo 3">
@@ -3335,8 +3387,8 @@
         </p:nvSpPr>
         <p:spPr>
           <a:xfrm>
-            <a:off x="598036" y="3929884"/>
-            <a:ext cx="4736505" cy="2492045"/>
+            <a:off x="585444" y="3915285"/>
+            <a:ext cx="6010672" cy="2492045"/>
           </a:xfrm>
           <a:prstGeom prst="rect">
             <a:avLst/>
@@ -3390,8 +3442,8 @@
         </p:nvSpPr>
         <p:spPr>
           <a:xfrm>
-            <a:off x="6353715" y="3915285"/>
-            <a:ext cx="5198205" cy="2492045"/>
+            <a:off x="7149542" y="3915285"/>
+            <a:ext cx="4402378" cy="2492045"/>
           </a:xfrm>
           <a:prstGeom prst="rect">
             <a:avLst/>
@@ -3625,7 +3677,7 @@
         </p:nvSpPr>
         <p:spPr>
           <a:xfrm>
-            <a:off x="672099" y="4060400"/>
+            <a:off x="2080537" y="4013760"/>
             <a:ext cx="2939059" cy="369332"/>
           </a:xfrm>
           <a:prstGeom prst="rect">
@@ -3639,6 +3691,7 @@
           </a:bodyPr>
           <a:lstStyle/>
           <a:p>
+            <a:pPr algn="ctr"/>
             <a:r>
               <a:rPr lang="pt-BR" dirty="0"/>
               <a:t>Monitoramento de máquina</a:t>
@@ -3661,7 +3714,7 @@
           <p:nvPr/>
         </p:nvPicPr>
         <p:blipFill>
-          <a:blip r:embed="rId2">
+          <a:blip r:embed="rId3">
             <a:extLst>
               <a:ext uri="{28A0092B-C50C-407E-A947-70E740481C1C}">
                 <a14:useLocalDpi xmlns:a14="http://schemas.microsoft.com/office/drawing/2010/main" val="0"/>
@@ -3708,7 +3761,7 @@
           <p:nvPr/>
         </p:nvPicPr>
         <p:blipFill>
-          <a:blip r:embed="rId3">
+          <a:blip r:embed="rId4">
             <a:extLst>
               <a:ext uri="{28A0092B-C50C-407E-A947-70E740481C1C}">
                 <a14:useLocalDpi xmlns:a14="http://schemas.microsoft.com/office/drawing/2010/main" val="0"/>
@@ -3755,7 +3808,7 @@
           <p:nvPr/>
         </p:nvPicPr>
         <p:blipFill>
-          <a:blip r:embed="rId4">
+          <a:blip r:embed="rId5">
             <a:extLst>
               <a:ext uri="{28A0092B-C50C-407E-A947-70E740481C1C}">
                 <a14:useLocalDpi xmlns:a14="http://schemas.microsoft.com/office/drawing/2010/main" val="0"/>
@@ -3769,7 +3822,7 @@
         </p:blipFill>
         <p:spPr bwMode="auto">
           <a:xfrm>
-            <a:off x="9882359" y="4514675"/>
+            <a:off x="9882359" y="4344735"/>
             <a:ext cx="1363358" cy="798842"/>
           </a:xfrm>
           <a:prstGeom prst="rect">
@@ -3802,7 +3855,7 @@
           <p:nvPr/>
         </p:nvPicPr>
         <p:blipFill>
-          <a:blip r:embed="rId5">
+          <a:blip r:embed="rId6">
             <a:extLst>
               <a:ext uri="{28A0092B-C50C-407E-A947-70E740481C1C}">
                 <a14:useLocalDpi xmlns:a14="http://schemas.microsoft.com/office/drawing/2010/main" val="0"/>
@@ -3849,7 +3902,7 @@
           <p:nvPr/>
         </p:nvPicPr>
         <p:blipFill>
-          <a:blip r:embed="rId6">
+          <a:blip r:embed="rId7">
             <a:extLst>
               <a:ext uri="{28A0092B-C50C-407E-A947-70E740481C1C}">
                 <a14:useLocalDpi xmlns:a14="http://schemas.microsoft.com/office/drawing/2010/main" val="0"/>
@@ -3883,10 +3936,10 @@
       </p:pic>
       <p:pic>
         <p:nvPicPr>
-          <p:cNvPr id="1044" name="Picture 20" descr="Desktop computer icon computer - Transparent PNG &amp; SVG vector file">
-            <a:extLst>
-              <a:ext uri="{FF2B5EF4-FFF2-40B4-BE49-F238E27FC236}">
-                <a16:creationId xmlns:a16="http://schemas.microsoft.com/office/drawing/2014/main" id="{F6E57033-82A3-4EC6-A8BA-B0130B861E39}"/>
+          <p:cNvPr id="1046" name="Picture 22" descr="Laptop Icons - Download Free Vector Icons | Noun Project">
+            <a:extLst>
+              <a:ext uri="{FF2B5EF4-FFF2-40B4-BE49-F238E27FC236}">
+                <a16:creationId xmlns:a16="http://schemas.microsoft.com/office/drawing/2014/main" id="{C14B3A9F-6418-48CF-B274-60A7365FD1BE}"/>
               </a:ext>
             </a:extLst>
           </p:cNvPr>
@@ -3896,7 +3949,7 @@
           <p:nvPr/>
         </p:nvPicPr>
         <p:blipFill>
-          <a:blip r:embed="rId7">
+          <a:blip r:embed="rId8">
             <a:extLst>
               <a:ext uri="{28A0092B-C50C-407E-A947-70E740481C1C}">
                 <a14:useLocalDpi xmlns:a14="http://schemas.microsoft.com/office/drawing/2010/main" val="0"/>
@@ -3910,7 +3963,7 @@
         </p:blipFill>
         <p:spPr bwMode="auto">
           <a:xfrm>
-            <a:off x="3611158" y="4399351"/>
+            <a:off x="7636130" y="4512763"/>
             <a:ext cx="1446000" cy="1446000"/>
           </a:xfrm>
           <a:prstGeom prst="rect">
@@ -3930,10 +3983,10 @@
       </p:pic>
       <p:pic>
         <p:nvPicPr>
-          <p:cNvPr id="1046" name="Picture 22" descr="Laptop Icons - Download Free Vector Icons | Noun Project">
-            <a:extLst>
-              <a:ext uri="{FF2B5EF4-FFF2-40B4-BE49-F238E27FC236}">
-                <a16:creationId xmlns:a16="http://schemas.microsoft.com/office/drawing/2014/main" id="{C14B3A9F-6418-48CF-B274-60A7365FD1BE}"/>
+          <p:cNvPr id="1048" name="Picture 24">
+            <a:extLst>
+              <a:ext uri="{FF2B5EF4-FFF2-40B4-BE49-F238E27FC236}">
+                <a16:creationId xmlns:a16="http://schemas.microsoft.com/office/drawing/2014/main" id="{33D084F5-36E5-4E78-932E-3A66CA628DA5}"/>
               </a:ext>
             </a:extLst>
           </p:cNvPr>
@@ -3943,7 +3996,7 @@
           <p:nvPr/>
         </p:nvPicPr>
         <p:blipFill>
-          <a:blip r:embed="rId8">
+          <a:blip r:embed="rId9">
             <a:extLst>
               <a:ext uri="{28A0092B-C50C-407E-A947-70E740481C1C}">
                 <a14:useLocalDpi xmlns:a14="http://schemas.microsoft.com/office/drawing/2010/main" val="0"/>
@@ -3957,8 +4010,8 @@
         </p:blipFill>
         <p:spPr bwMode="auto">
           <a:xfrm>
-            <a:off x="6840989" y="4493619"/>
-            <a:ext cx="1446000" cy="1446000"/>
+            <a:off x="4678679" y="5844064"/>
+            <a:ext cx="369332" cy="369332"/>
           </a:xfrm>
           <a:prstGeom prst="rect">
             <a:avLst/>
@@ -3977,10 +4030,10 @@
       </p:pic>
       <p:pic>
         <p:nvPicPr>
-          <p:cNvPr id="1048" name="Picture 24">
-            <a:extLst>
-              <a:ext uri="{FF2B5EF4-FFF2-40B4-BE49-F238E27FC236}">
-                <a16:creationId xmlns:a16="http://schemas.microsoft.com/office/drawing/2014/main" id="{33D084F5-36E5-4E78-932E-3A66CA628DA5}"/>
+          <p:cNvPr id="1050" name="Picture 26" descr="Pin em gadgets">
+            <a:extLst>
+              <a:ext uri="{FF2B5EF4-FFF2-40B4-BE49-F238E27FC236}">
+                <a16:creationId xmlns:a16="http://schemas.microsoft.com/office/drawing/2014/main" id="{72518B38-2976-4D43-A746-312A890AF4A8}"/>
               </a:ext>
             </a:extLst>
           </p:cNvPr>
@@ -3990,7 +4043,7 @@
           <p:nvPr/>
         </p:nvPicPr>
         <p:blipFill>
-          <a:blip r:embed="rId9">
+          <a:blip r:embed="rId10">
             <a:extLst>
               <a:ext uri="{28A0092B-C50C-407E-A947-70E740481C1C}">
                 <a14:useLocalDpi xmlns:a14="http://schemas.microsoft.com/office/drawing/2010/main" val="0"/>
@@ -4004,8 +4057,8 @@
         </p:blipFill>
         <p:spPr bwMode="auto">
           <a:xfrm>
-            <a:off x="3383978" y="5939619"/>
-            <a:ext cx="369332" cy="369332"/>
+            <a:off x="5236158" y="5792333"/>
+            <a:ext cx="477695" cy="477695"/>
           </a:xfrm>
           <a:prstGeom prst="rect">
             <a:avLst/>
@@ -4024,10 +4077,10 @@
       </p:pic>
       <p:pic>
         <p:nvPicPr>
-          <p:cNvPr id="1050" name="Picture 26" descr="Pin em gadgets">
-            <a:extLst>
-              <a:ext uri="{FF2B5EF4-FFF2-40B4-BE49-F238E27FC236}">
-                <a16:creationId xmlns:a16="http://schemas.microsoft.com/office/drawing/2014/main" id="{72518B38-2976-4D43-A746-312A890AF4A8}"/>
+          <p:cNvPr id="1052" name="Picture 28" descr="Linux – Wikipédia, a enciclopédia livre">
+            <a:extLst>
+              <a:ext uri="{FF2B5EF4-FFF2-40B4-BE49-F238E27FC236}">
+                <a16:creationId xmlns:a16="http://schemas.microsoft.com/office/drawing/2014/main" id="{2054ACEC-31A2-4087-9207-30A99FEBFAD0}"/>
               </a:ext>
             </a:extLst>
           </p:cNvPr>
@@ -4037,7 +4090,7 @@
           <p:nvPr/>
         </p:nvPicPr>
         <p:blipFill>
-          <a:blip r:embed="rId10">
+          <a:blip r:embed="rId11">
             <a:extLst>
               <a:ext uri="{28A0092B-C50C-407E-A947-70E740481C1C}">
                 <a14:useLocalDpi xmlns:a14="http://schemas.microsoft.com/office/drawing/2010/main" val="0"/>
@@ -4051,8 +4104,8 @@
         </p:blipFill>
         <p:spPr bwMode="auto">
           <a:xfrm>
-            <a:off x="3994268" y="5900696"/>
-            <a:ext cx="477695" cy="477695"/>
+            <a:off x="5926889" y="5782786"/>
+            <a:ext cx="366049" cy="435191"/>
           </a:xfrm>
           <a:prstGeom prst="rect">
             <a:avLst/>
@@ -4071,53 +4124,6 @@
       </p:pic>
       <p:pic>
         <p:nvPicPr>
-          <p:cNvPr id="1052" name="Picture 28" descr="Linux – Wikipédia, a enciclopédia livre">
-            <a:extLst>
-              <a:ext uri="{FF2B5EF4-FFF2-40B4-BE49-F238E27FC236}">
-                <a16:creationId xmlns:a16="http://schemas.microsoft.com/office/drawing/2014/main" id="{2054ACEC-31A2-4087-9207-30A99FEBFAD0}"/>
-              </a:ext>
-            </a:extLst>
-          </p:cNvPr>
-          <p:cNvPicPr>
-            <a:picLocks noChangeAspect="1" noChangeArrowheads="1"/>
-          </p:cNvPicPr>
-          <p:nvPr/>
-        </p:nvPicPr>
-        <p:blipFill>
-          <a:blip r:embed="rId11">
-            <a:extLst>
-              <a:ext uri="{28A0092B-C50C-407E-A947-70E740481C1C}">
-                <a14:useLocalDpi xmlns:a14="http://schemas.microsoft.com/office/drawing/2010/main" val="0"/>
-              </a:ext>
-            </a:extLst>
-          </a:blip>
-          <a:srcRect/>
-          <a:stretch>
-            <a:fillRect/>
-          </a:stretch>
-        </p:blipFill>
-        <p:spPr bwMode="auto">
-          <a:xfrm>
-            <a:off x="4750787" y="5931393"/>
-            <a:ext cx="366049" cy="435191"/>
-          </a:xfrm>
-          <a:prstGeom prst="rect">
-            <a:avLst/>
-          </a:prstGeom>
-          <a:noFill/>
-          <a:extLst>
-            <a:ext uri="{909E8E84-426E-40DD-AFC4-6F175D3DCCD1}">
-              <a14:hiddenFill xmlns:a14="http://schemas.microsoft.com/office/drawing/2010/main">
-                <a:solidFill>
-                  <a:srgbClr val="FFFFFF"/>
-                </a:solidFill>
-              </a14:hiddenFill>
-            </a:ext>
-          </a:extLst>
-        </p:spPr>
-      </p:pic>
-      <p:pic>
-        <p:nvPicPr>
           <p:cNvPr id="27" name="Imagem 26">
             <a:extLst>
               <a:ext uri="{FF2B5EF4-FFF2-40B4-BE49-F238E27FC236}">
@@ -4169,7 +4175,7 @@
         </p:nvSpPr>
         <p:spPr>
           <a:xfrm>
-            <a:off x="6840989" y="4060400"/>
+            <a:off x="7674218" y="4060400"/>
             <a:ext cx="832195" cy="369332"/>
           </a:xfrm>
           <a:prstGeom prst="rect">
@@ -4423,7 +4429,7 @@
         </p:blipFill>
         <p:spPr>
           <a:xfrm>
-            <a:off x="6923172" y="1458833"/>
+            <a:off x="7325501" y="1420138"/>
             <a:ext cx="695366" cy="425332"/>
           </a:xfrm>
           <a:prstGeom prst="rect">
@@ -4540,10 +4546,10 @@
       </p:sp>
       <p:pic>
         <p:nvPicPr>
-          <p:cNvPr id="1054" name="Picture 30" descr="Logo Java – Logos PNG">
-            <a:extLst>
-              <a:ext uri="{FF2B5EF4-FFF2-40B4-BE49-F238E27FC236}">
-                <a16:creationId xmlns:a16="http://schemas.microsoft.com/office/drawing/2014/main" id="{49ED37B1-3998-4AAD-BDAA-95BD0067324F}"/>
+          <p:cNvPr id="1056" name="Picture 32" descr="Slack Logo - PNG and Vector - Logo Download">
+            <a:extLst>
+              <a:ext uri="{FF2B5EF4-FFF2-40B4-BE49-F238E27FC236}">
+                <a16:creationId xmlns:a16="http://schemas.microsoft.com/office/drawing/2014/main" id="{C98CA224-E886-4154-BD78-8A04B0FDFA4A}"/>
               </a:ext>
             </a:extLst>
           </p:cNvPr>
@@ -4567,8 +4573,8 @@
         </p:blipFill>
         <p:spPr bwMode="auto">
           <a:xfrm>
-            <a:off x="7685206" y="1099950"/>
-            <a:ext cx="950048" cy="950048"/>
+            <a:off x="712333" y="1307136"/>
+            <a:ext cx="1567543" cy="389641"/>
           </a:xfrm>
           <a:prstGeom prst="rect">
             <a:avLst/>
@@ -4587,10 +4593,10 @@
       </p:pic>
       <p:pic>
         <p:nvPicPr>
-          <p:cNvPr id="1056" name="Picture 32" descr="Slack Logo - PNG and Vector - Logo Download">
-            <a:extLst>
-              <a:ext uri="{FF2B5EF4-FFF2-40B4-BE49-F238E27FC236}">
-                <a16:creationId xmlns:a16="http://schemas.microsoft.com/office/drawing/2014/main" id="{C98CA224-E886-4154-BD78-8A04B0FDFA4A}"/>
+          <p:cNvPr id="1058" name="Picture 34" descr="Telegram Logo - PNG e Vetor - Download de Logo">
+            <a:extLst>
+              <a:ext uri="{FF2B5EF4-FFF2-40B4-BE49-F238E27FC236}">
+                <a16:creationId xmlns:a16="http://schemas.microsoft.com/office/drawing/2014/main" id="{1F0A6EA2-210B-4A6F-87B7-7D5B2BC6490D}"/>
               </a:ext>
             </a:extLst>
           </p:cNvPr>
@@ -4601,53 +4607,6 @@
         </p:nvPicPr>
         <p:blipFill>
           <a:blip r:embed="rId18">
-            <a:extLst>
-              <a:ext uri="{28A0092B-C50C-407E-A947-70E740481C1C}">
-                <a14:useLocalDpi xmlns:a14="http://schemas.microsoft.com/office/drawing/2010/main" val="0"/>
-              </a:ext>
-            </a:extLst>
-          </a:blip>
-          <a:srcRect/>
-          <a:stretch>
-            <a:fillRect/>
-          </a:stretch>
-        </p:blipFill>
-        <p:spPr bwMode="auto">
-          <a:xfrm>
-            <a:off x="712333" y="1307136"/>
-            <a:ext cx="1567543" cy="389641"/>
-          </a:xfrm>
-          <a:prstGeom prst="rect">
-            <a:avLst/>
-          </a:prstGeom>
-          <a:noFill/>
-          <a:extLst>
-            <a:ext uri="{909E8E84-426E-40DD-AFC4-6F175D3DCCD1}">
-              <a14:hiddenFill xmlns:a14="http://schemas.microsoft.com/office/drawing/2010/main">
-                <a:solidFill>
-                  <a:srgbClr val="FFFFFF"/>
-                </a:solidFill>
-              </a14:hiddenFill>
-            </a:ext>
-          </a:extLst>
-        </p:spPr>
-      </p:pic>
-      <p:pic>
-        <p:nvPicPr>
-          <p:cNvPr id="1058" name="Picture 34" descr="Telegram Logo - PNG e Vetor - Download de Logo">
-            <a:extLst>
-              <a:ext uri="{FF2B5EF4-FFF2-40B4-BE49-F238E27FC236}">
-                <a16:creationId xmlns:a16="http://schemas.microsoft.com/office/drawing/2014/main" id="{1F0A6EA2-210B-4A6F-87B7-7D5B2BC6490D}"/>
-              </a:ext>
-            </a:extLst>
-          </p:cNvPr>
-          <p:cNvPicPr>
-            <a:picLocks noChangeAspect="1" noChangeArrowheads="1"/>
-          </p:cNvPicPr>
-          <p:nvPr/>
-        </p:nvPicPr>
-        <p:blipFill>
-          <a:blip r:embed="rId19">
             <a:extLst>
               <a:ext uri="{28A0092B-C50C-407E-A947-70E740481C1C}">
                 <a14:useLocalDpi xmlns:a14="http://schemas.microsoft.com/office/drawing/2010/main" val="0"/>
@@ -4954,7 +4913,7 @@
           <p:nvPr/>
         </p:nvPicPr>
         <p:blipFill>
-          <a:blip r:embed="rId17">
+          <a:blip r:embed="rId19">
             <a:extLst>
               <a:ext uri="{28A0092B-C50C-407E-A947-70E740481C1C}">
                 <a14:useLocalDpi xmlns:a14="http://schemas.microsoft.com/office/drawing/2010/main" val="0"/>
@@ -4968,7 +4927,7 @@
         </p:blipFill>
         <p:spPr bwMode="auto">
           <a:xfrm>
-            <a:off x="716557" y="4800630"/>
+            <a:off x="2977454" y="4753940"/>
             <a:ext cx="950048" cy="950048"/>
           </a:xfrm>
           <a:prstGeom prst="rect">
@@ -5000,7 +4959,7 @@
         </p:nvSpPr>
         <p:spPr>
           <a:xfrm>
-            <a:off x="834410" y="5900696"/>
+            <a:off x="2921873" y="5848645"/>
             <a:ext cx="1112261" cy="369332"/>
           </a:xfrm>
           <a:prstGeom prst="rect">
@@ -5055,7 +5014,7 @@
         </p:blipFill>
         <p:spPr bwMode="auto">
           <a:xfrm>
-            <a:off x="6840989" y="5919677"/>
+            <a:off x="7603042" y="5879346"/>
             <a:ext cx="348511" cy="344129"/>
           </a:xfrm>
           <a:prstGeom prst="rect">
@@ -5102,7 +5061,7 @@
         </p:blipFill>
         <p:spPr bwMode="auto">
           <a:xfrm>
-            <a:off x="7328263" y="5862927"/>
+            <a:off x="8090316" y="5822596"/>
             <a:ext cx="438397" cy="438397"/>
           </a:xfrm>
           <a:prstGeom prst="rect">
@@ -5149,7 +5108,7 @@
         </p:blipFill>
         <p:spPr bwMode="auto">
           <a:xfrm>
-            <a:off x="7886312" y="5881786"/>
+            <a:off x="8648365" y="5841455"/>
             <a:ext cx="400677" cy="400677"/>
           </a:xfrm>
           <a:prstGeom prst="rect">
@@ -5197,6 +5156,309 @@
           </a:prstGeom>
         </p:spPr>
       </p:pic>
+      <p:pic>
+        <p:nvPicPr>
+          <p:cNvPr id="49" name="Imagem 48">
+            <a:extLst>
+              <a:ext uri="{FF2B5EF4-FFF2-40B4-BE49-F238E27FC236}">
+                <a16:creationId xmlns:a16="http://schemas.microsoft.com/office/drawing/2014/main" id="{7629D00E-5DAE-49DE-843E-EA3799375488}"/>
+              </a:ext>
+            </a:extLst>
+          </p:cNvPr>
+          <p:cNvPicPr>
+            <a:picLocks noChangeAspect="1"/>
+          </p:cNvPicPr>
+          <p:nvPr/>
+        </p:nvPicPr>
+        <p:blipFill>
+          <a:blip r:embed="rId12" cstate="print">
+            <a:extLst>
+              <a:ext uri="{28A0092B-C50C-407E-A947-70E740481C1C}">
+                <a14:useLocalDpi xmlns:a14="http://schemas.microsoft.com/office/drawing/2010/main" val="0"/>
+              </a:ext>
+            </a:extLst>
+          </a:blip>
+          <a:stretch>
+            <a:fillRect/>
+          </a:stretch>
+        </p:blipFill>
+        <p:spPr>
+          <a:xfrm>
+            <a:off x="1066829" y="4811821"/>
+            <a:ext cx="360446" cy="360446"/>
+          </a:xfrm>
+          <a:prstGeom prst="rect">
+            <a:avLst/>
+          </a:prstGeom>
+          <a:solidFill>
+            <a:schemeClr val="bg1"/>
+          </a:solidFill>
+        </p:spPr>
+      </p:pic>
+      <p:pic>
+        <p:nvPicPr>
+          <p:cNvPr id="1026" name="Picture 2" descr="Amazon Web Services - Wikipedia">
+            <a:extLst>
+              <a:ext uri="{FF2B5EF4-FFF2-40B4-BE49-F238E27FC236}">
+                <a16:creationId xmlns:a16="http://schemas.microsoft.com/office/drawing/2014/main" id="{64617514-7972-4D44-AE16-FDDFCF96D863}"/>
+              </a:ext>
+            </a:extLst>
+          </p:cNvPr>
+          <p:cNvPicPr>
+            <a:picLocks noChangeAspect="1" noChangeArrowheads="1"/>
+          </p:cNvPicPr>
+          <p:nvPr/>
+        </p:nvPicPr>
+        <p:blipFill>
+          <a:blip r:embed="rId24">
+            <a:extLst>
+              <a:ext uri="{28A0092B-C50C-407E-A947-70E740481C1C}">
+                <a14:useLocalDpi xmlns:a14="http://schemas.microsoft.com/office/drawing/2010/main" val="0"/>
+              </a:ext>
+            </a:extLst>
+          </a:blip>
+          <a:srcRect/>
+          <a:stretch>
+            <a:fillRect/>
+          </a:stretch>
+        </p:blipFill>
+        <p:spPr bwMode="auto">
+          <a:xfrm>
+            <a:off x="961613" y="5843527"/>
+            <a:ext cx="689560" cy="413736"/>
+          </a:xfrm>
+          <a:prstGeom prst="rect">
+            <a:avLst/>
+          </a:prstGeom>
+          <a:noFill/>
+          <a:extLst>
+            <a:ext uri="{909E8E84-426E-40DD-AFC4-6F175D3DCCD1}">
+              <a14:hiddenFill xmlns:a14="http://schemas.microsoft.com/office/drawing/2010/main">
+                <a:solidFill>
+                  <a:srgbClr val="FFFFFF"/>
+                </a:solidFill>
+              </a14:hiddenFill>
+            </a:ext>
+          </a:extLst>
+        </p:spPr>
+      </p:pic>
+      <p:pic>
+        <p:nvPicPr>
+          <p:cNvPr id="50" name="Picture 20" descr="Desktop computer icon computer - Transparent PNG &amp; SVG vector file">
+            <a:extLst>
+              <a:ext uri="{FF2B5EF4-FFF2-40B4-BE49-F238E27FC236}">
+                <a16:creationId xmlns:a16="http://schemas.microsoft.com/office/drawing/2014/main" id="{731A2CB3-96B0-4D86-8223-A4E6D1F59FBC}"/>
+              </a:ext>
+            </a:extLst>
+          </p:cNvPr>
+          <p:cNvPicPr>
+            <a:picLocks noChangeAspect="1" noChangeArrowheads="1"/>
+          </p:cNvPicPr>
+          <p:nvPr/>
+        </p:nvPicPr>
+        <p:blipFill>
+          <a:blip r:embed="rId2">
+            <a:extLst>
+              <a:ext uri="{28A0092B-C50C-407E-A947-70E740481C1C}">
+                <a14:useLocalDpi xmlns:a14="http://schemas.microsoft.com/office/drawing/2010/main" val="0"/>
+              </a:ext>
+            </a:extLst>
+          </a:blip>
+          <a:srcRect/>
+          <a:stretch>
+            <a:fillRect/>
+          </a:stretch>
+        </p:blipFill>
+        <p:spPr bwMode="auto">
+          <a:xfrm>
+            <a:off x="4929793" y="4533243"/>
+            <a:ext cx="1175659" cy="1175659"/>
+          </a:xfrm>
+          <a:prstGeom prst="rect">
+            <a:avLst/>
+          </a:prstGeom>
+          <a:noFill/>
+          <a:extLst>
+            <a:ext uri="{909E8E84-426E-40DD-AFC4-6F175D3DCCD1}">
+              <a14:hiddenFill xmlns:a14="http://schemas.microsoft.com/office/drawing/2010/main">
+                <a:solidFill>
+                  <a:srgbClr val="FFFFFF"/>
+                </a:solidFill>
+              </a14:hiddenFill>
+            </a:ext>
+          </a:extLst>
+        </p:spPr>
+      </p:pic>
+      <p:sp>
+        <p:nvSpPr>
+          <p:cNvPr id="56" name="CaixaDeTexto 55">
+            <a:extLst>
+              <a:ext uri="{FF2B5EF4-FFF2-40B4-BE49-F238E27FC236}">
+                <a16:creationId xmlns:a16="http://schemas.microsoft.com/office/drawing/2014/main" id="{A7EAC7A2-CA61-4B08-A4D5-B3B34552B8E3}"/>
+              </a:ext>
+            </a:extLst>
+          </p:cNvPr>
+          <p:cNvSpPr txBox="1"/>
+          <p:nvPr/>
+        </p:nvSpPr>
+        <p:spPr>
+          <a:xfrm>
+            <a:off x="5373752" y="4234139"/>
+            <a:ext cx="701919" cy="369332"/>
+          </a:xfrm>
+          <a:prstGeom prst="rect">
+            <a:avLst/>
+          </a:prstGeom>
+          <a:noFill/>
+        </p:spPr>
+        <p:txBody>
+          <a:bodyPr wrap="square" rtlCol="0">
+            <a:spAutoFit/>
+          </a:bodyPr>
+          <a:lstStyle/>
+          <a:p>
+            <a:r>
+              <a:rPr lang="pt-BR" dirty="0"/>
+              <a:t>Local</a:t>
+            </a:r>
+          </a:p>
+        </p:txBody>
+      </p:sp>
+      <p:sp>
+        <p:nvSpPr>
+          <p:cNvPr id="57" name="CaixaDeTexto 56">
+            <a:extLst>
+              <a:ext uri="{FF2B5EF4-FFF2-40B4-BE49-F238E27FC236}">
+                <a16:creationId xmlns:a16="http://schemas.microsoft.com/office/drawing/2014/main" id="{FB38A3F5-DF86-4B9E-943A-989A3365460D}"/>
+              </a:ext>
+            </a:extLst>
+          </p:cNvPr>
+          <p:cNvSpPr txBox="1"/>
+          <p:nvPr/>
+        </p:nvSpPr>
+        <p:spPr>
+          <a:xfrm>
+            <a:off x="751925" y="4234139"/>
+            <a:ext cx="1198346" cy="369332"/>
+          </a:xfrm>
+          <a:prstGeom prst="rect">
+            <a:avLst/>
+          </a:prstGeom>
+          <a:noFill/>
+        </p:spPr>
+        <p:txBody>
+          <a:bodyPr wrap="square" rtlCol="0">
+            <a:spAutoFit/>
+          </a:bodyPr>
+          <a:lstStyle/>
+          <a:p>
+            <a:r>
+              <a:rPr lang="pt-BR" dirty="0"/>
+              <a:t>Em nuvem</a:t>
+            </a:r>
+          </a:p>
+        </p:txBody>
+      </p:sp>
+      <p:cxnSp>
+        <p:nvCxnSpPr>
+          <p:cNvPr id="58" name="Conector de Seta Reta 57">
+            <a:extLst>
+              <a:ext uri="{FF2B5EF4-FFF2-40B4-BE49-F238E27FC236}">
+                <a16:creationId xmlns:a16="http://schemas.microsoft.com/office/drawing/2014/main" id="{BEF680AD-E5F2-4C24-959D-D660E6A95AD1}"/>
+              </a:ext>
+            </a:extLst>
+          </p:cNvPr>
+          <p:cNvCxnSpPr>
+            <a:cxnSpLocks/>
+            <a:endCxn id="54" idx="3"/>
+          </p:cNvCxnSpPr>
+          <p:nvPr/>
+        </p:nvCxnSpPr>
+        <p:spPr>
+          <a:xfrm flipH="1">
+            <a:off x="3927502" y="5108296"/>
+            <a:ext cx="800230" cy="120668"/>
+          </a:xfrm>
+          <a:prstGeom prst="straightConnector1">
+            <a:avLst/>
+          </a:prstGeom>
+          <a:ln>
+            <a:solidFill>
+              <a:schemeClr val="tx1">
+                <a:lumMod val="65000"/>
+                <a:lumOff val="35000"/>
+              </a:schemeClr>
+            </a:solidFill>
+            <a:prstDash val="lgDashDot"/>
+            <a:headEnd type="triangle"/>
+            <a:tailEnd type="triangle"/>
+          </a:ln>
+        </p:spPr>
+        <p:style>
+          <a:lnRef idx="1">
+            <a:schemeClr val="accent1"/>
+          </a:lnRef>
+          <a:fillRef idx="0">
+            <a:schemeClr val="accent1"/>
+          </a:fillRef>
+          <a:effectRef idx="0">
+            <a:schemeClr val="accent1"/>
+          </a:effectRef>
+          <a:fontRef idx="minor">
+            <a:schemeClr val="tx1"/>
+          </a:fontRef>
+        </p:style>
+      </p:cxnSp>
+      <p:cxnSp>
+        <p:nvCxnSpPr>
+          <p:cNvPr id="59" name="Conector de Seta Reta 58">
+            <a:extLst>
+              <a:ext uri="{FF2B5EF4-FFF2-40B4-BE49-F238E27FC236}">
+                <a16:creationId xmlns:a16="http://schemas.microsoft.com/office/drawing/2014/main" id="{B81A7F05-02F1-4A67-AE4D-463E9142AF84}"/>
+              </a:ext>
+            </a:extLst>
+          </p:cNvPr>
+          <p:cNvCxnSpPr>
+            <a:cxnSpLocks/>
+            <a:stCxn id="54" idx="1"/>
+          </p:cNvCxnSpPr>
+          <p:nvPr/>
+        </p:nvCxnSpPr>
+        <p:spPr>
+          <a:xfrm flipH="1" flipV="1">
+            <a:off x="2125843" y="5153314"/>
+            <a:ext cx="851611" cy="75650"/>
+          </a:xfrm>
+          <a:prstGeom prst="straightConnector1">
+            <a:avLst/>
+          </a:prstGeom>
+          <a:ln>
+            <a:solidFill>
+              <a:schemeClr val="tx1">
+                <a:lumMod val="65000"/>
+                <a:lumOff val="35000"/>
+              </a:schemeClr>
+            </a:solidFill>
+            <a:prstDash val="lgDashDot"/>
+            <a:headEnd type="triangle"/>
+            <a:tailEnd type="triangle"/>
+          </a:ln>
+        </p:spPr>
+        <p:style>
+          <a:lnRef idx="1">
+            <a:schemeClr val="accent1"/>
+          </a:lnRef>
+          <a:fillRef idx="0">
+            <a:schemeClr val="accent1"/>
+          </a:fillRef>
+          <a:effectRef idx="0">
+            <a:schemeClr val="accent1"/>
+          </a:effectRef>
+          <a:fontRef idx="minor">
+            <a:schemeClr val="tx1"/>
+          </a:fontRef>
+        </p:style>
+      </p:cxnSp>
     </p:spTree>
     <p:extLst>
       <p:ext uri="{BB962C8B-B14F-4D97-AF65-F5344CB8AC3E}">

--- a/Documentação/lld-v1.pptx
+++ b/Documentação/lld-v1.pptx
@@ -259,7 +259,7 @@
           <a:p>
             <a:fld id="{E93C9CEB-DED8-41E7-833D-6F3524FD4977}" type="datetimeFigureOut">
               <a:rPr lang="pt-BR" smtClean="0"/>
-              <a:t>15/10/2020</a:t>
+              <a:t>26/10/2020</a:t>
             </a:fld>
             <a:endParaRPr lang="pt-BR"/>
           </a:p>
@@ -457,7 +457,7 @@
           <a:p>
             <a:fld id="{E93C9CEB-DED8-41E7-833D-6F3524FD4977}" type="datetimeFigureOut">
               <a:rPr lang="pt-BR" smtClean="0"/>
-              <a:t>15/10/2020</a:t>
+              <a:t>26/10/2020</a:t>
             </a:fld>
             <a:endParaRPr lang="pt-BR"/>
           </a:p>
@@ -665,7 +665,7 @@
           <a:p>
             <a:fld id="{E93C9CEB-DED8-41E7-833D-6F3524FD4977}" type="datetimeFigureOut">
               <a:rPr lang="pt-BR" smtClean="0"/>
-              <a:t>15/10/2020</a:t>
+              <a:t>26/10/2020</a:t>
             </a:fld>
             <a:endParaRPr lang="pt-BR"/>
           </a:p>
@@ -863,7 +863,7 @@
           <a:p>
             <a:fld id="{E93C9CEB-DED8-41E7-833D-6F3524FD4977}" type="datetimeFigureOut">
               <a:rPr lang="pt-BR" smtClean="0"/>
-              <a:t>15/10/2020</a:t>
+              <a:t>26/10/2020</a:t>
             </a:fld>
             <a:endParaRPr lang="pt-BR"/>
           </a:p>
@@ -1138,7 +1138,7 @@
           <a:p>
             <a:fld id="{E93C9CEB-DED8-41E7-833D-6F3524FD4977}" type="datetimeFigureOut">
               <a:rPr lang="pt-BR" smtClean="0"/>
-              <a:t>15/10/2020</a:t>
+              <a:t>26/10/2020</a:t>
             </a:fld>
             <a:endParaRPr lang="pt-BR"/>
           </a:p>
@@ -1403,7 +1403,7 @@
           <a:p>
             <a:fld id="{E93C9CEB-DED8-41E7-833D-6F3524FD4977}" type="datetimeFigureOut">
               <a:rPr lang="pt-BR" smtClean="0"/>
-              <a:t>15/10/2020</a:t>
+              <a:t>26/10/2020</a:t>
             </a:fld>
             <a:endParaRPr lang="pt-BR"/>
           </a:p>
@@ -1815,7 +1815,7 @@
           <a:p>
             <a:fld id="{E93C9CEB-DED8-41E7-833D-6F3524FD4977}" type="datetimeFigureOut">
               <a:rPr lang="pt-BR" smtClean="0"/>
-              <a:t>15/10/2020</a:t>
+              <a:t>26/10/2020</a:t>
             </a:fld>
             <a:endParaRPr lang="pt-BR"/>
           </a:p>
@@ -1956,7 +1956,7 @@
           <a:p>
             <a:fld id="{E93C9CEB-DED8-41E7-833D-6F3524FD4977}" type="datetimeFigureOut">
               <a:rPr lang="pt-BR" smtClean="0"/>
-              <a:t>15/10/2020</a:t>
+              <a:t>26/10/2020</a:t>
             </a:fld>
             <a:endParaRPr lang="pt-BR"/>
           </a:p>
@@ -2069,7 +2069,7 @@
           <a:p>
             <a:fld id="{E93C9CEB-DED8-41E7-833D-6F3524FD4977}" type="datetimeFigureOut">
               <a:rPr lang="pt-BR" smtClean="0"/>
-              <a:t>15/10/2020</a:t>
+              <a:t>26/10/2020</a:t>
             </a:fld>
             <a:endParaRPr lang="pt-BR"/>
           </a:p>
@@ -2380,7 +2380,7 @@
           <a:p>
             <a:fld id="{E93C9CEB-DED8-41E7-833D-6F3524FD4977}" type="datetimeFigureOut">
               <a:rPr lang="pt-BR" smtClean="0"/>
-              <a:t>15/10/2020</a:t>
+              <a:t>26/10/2020</a:t>
             </a:fld>
             <a:endParaRPr lang="pt-BR"/>
           </a:p>
@@ -2668,7 +2668,7 @@
           <a:p>
             <a:fld id="{E93C9CEB-DED8-41E7-833D-6F3524FD4977}" type="datetimeFigureOut">
               <a:rPr lang="pt-BR" smtClean="0"/>
-              <a:t>15/10/2020</a:t>
+              <a:t>26/10/2020</a:t>
             </a:fld>
             <a:endParaRPr lang="pt-BR"/>
           </a:p>
@@ -2909,7 +2909,7 @@
           <a:p>
             <a:fld id="{E93C9CEB-DED8-41E7-833D-6F3524FD4977}" type="datetimeFigureOut">
               <a:rPr lang="pt-BR" smtClean="0"/>
-              <a:t>15/10/2020</a:t>
+              <a:t>26/10/2020</a:t>
             </a:fld>
             <a:endParaRPr lang="pt-BR"/>
           </a:p>
@@ -5128,36 +5128,6 @@
       </p:pic>
       <p:pic>
         <p:nvPicPr>
-          <p:cNvPr id="20" name="Imagem 19">
-            <a:extLst>
-              <a:ext uri="{FF2B5EF4-FFF2-40B4-BE49-F238E27FC236}">
-                <a16:creationId xmlns:a16="http://schemas.microsoft.com/office/drawing/2014/main" id="{724EE9EE-ACF2-46D4-8DE1-9BEA7B3FD633}"/>
-              </a:ext>
-            </a:extLst>
-          </p:cNvPr>
-          <p:cNvPicPr>
-            <a:picLocks noChangeAspect="1"/>
-          </p:cNvPicPr>
-          <p:nvPr/>
-        </p:nvPicPr>
-        <p:blipFill>
-          <a:blip r:embed="rId23"/>
-          <a:stretch>
-            <a:fillRect/>
-          </a:stretch>
-        </p:blipFill>
-        <p:spPr>
-          <a:xfrm>
-            <a:off x="9780357" y="5464852"/>
-            <a:ext cx="1577233" cy="617541"/>
-          </a:xfrm>
-          <a:prstGeom prst="rect">
-            <a:avLst/>
-          </a:prstGeom>
-        </p:spPr>
-      </p:pic>
-      <p:pic>
-        <p:nvPicPr>
           <p:cNvPr id="49" name="Imagem 48">
             <a:extLst>
               <a:ext uri="{FF2B5EF4-FFF2-40B4-BE49-F238E27FC236}">
@@ -5210,7 +5180,7 @@
           <p:nvPr/>
         </p:nvPicPr>
         <p:blipFill>
-          <a:blip r:embed="rId24">
+          <a:blip r:embed="rId23">
             <a:extLst>
               <a:ext uri="{28A0092B-C50C-407E-A947-70E740481C1C}">
                 <a14:useLocalDpi xmlns:a14="http://schemas.microsoft.com/office/drawing/2010/main" val="0"/>
@@ -5459,6 +5429,53 @@
           </a:fontRef>
         </p:style>
       </p:cxnSp>
+      <p:pic>
+        <p:nvPicPr>
+          <p:cNvPr id="1028" name="Picture 4" descr="A nova marca do TomTicket | by TomTicket | TomTicket">
+            <a:extLst>
+              <a:ext uri="{FF2B5EF4-FFF2-40B4-BE49-F238E27FC236}">
+                <a16:creationId xmlns:a16="http://schemas.microsoft.com/office/drawing/2014/main" id="{E67DA861-3794-499D-A6B6-0CDA3CCBAC28}"/>
+              </a:ext>
+            </a:extLst>
+          </p:cNvPr>
+          <p:cNvPicPr>
+            <a:picLocks noChangeAspect="1" noChangeArrowheads="1"/>
+          </p:cNvPicPr>
+          <p:nvPr/>
+        </p:nvPicPr>
+        <p:blipFill>
+          <a:blip r:embed="rId24">
+            <a:extLst>
+              <a:ext uri="{28A0092B-C50C-407E-A947-70E740481C1C}">
+                <a14:useLocalDpi xmlns:a14="http://schemas.microsoft.com/office/drawing/2010/main" val="0"/>
+              </a:ext>
+            </a:extLst>
+          </a:blip>
+          <a:srcRect/>
+          <a:stretch>
+            <a:fillRect/>
+          </a:stretch>
+        </p:blipFill>
+        <p:spPr bwMode="auto">
+          <a:xfrm>
+            <a:off x="9568718" y="5488031"/>
+            <a:ext cx="1836959" cy="627412"/>
+          </a:xfrm>
+          <a:prstGeom prst="rect">
+            <a:avLst/>
+          </a:prstGeom>
+          <a:noFill/>
+          <a:extLst>
+            <a:ext uri="{909E8E84-426E-40DD-AFC4-6F175D3DCCD1}">
+              <a14:hiddenFill xmlns:a14="http://schemas.microsoft.com/office/drawing/2010/main">
+                <a:solidFill>
+                  <a:srgbClr val="FFFFFF"/>
+                </a:solidFill>
+              </a14:hiddenFill>
+            </a:ext>
+          </a:extLst>
+        </p:spPr>
+      </p:pic>
     </p:spTree>
     <p:extLst>
       <p:ext uri="{BB962C8B-B14F-4D97-AF65-F5344CB8AC3E}">
